--- a/Numerical_Simulation.pptx
+++ b/Numerical_Simulation.pptx
@@ -224,7 +224,7 @@
           <a:p>
             <a:fld id="{D0AD3F56-09B5-4F5E-9E97-CDB064499D70}" type="datetimeFigureOut">
               <a:rPr kumimoji="1" lang="ja-JP" altLang="en-US" smtClean="0"/>
-              <a:t>2016/9/6</a:t>
+              <a:t>2016/9/7</a:t>
             </a:fld>
             <a:endParaRPr kumimoji="1" lang="ja-JP" altLang="en-US"/>
           </a:p>
@@ -1212,7 +1212,7 @@
           <a:p>
             <a:fld id="{23A318CB-6B49-4B95-B342-75A59712D973}" type="datetimeFigureOut">
               <a:rPr kumimoji="1" lang="ja-JP" altLang="en-US" smtClean="0"/>
-              <a:t>2016/9/6</a:t>
+              <a:t>2016/9/7</a:t>
             </a:fld>
             <a:endParaRPr kumimoji="1" lang="ja-JP" altLang="en-US"/>
           </a:p>
@@ -1412,7 +1412,7 @@
           <a:p>
             <a:fld id="{23A318CB-6B49-4B95-B342-75A59712D973}" type="datetimeFigureOut">
               <a:rPr kumimoji="1" lang="ja-JP" altLang="en-US" smtClean="0"/>
-              <a:t>2016/9/6</a:t>
+              <a:t>2016/9/7</a:t>
             </a:fld>
             <a:endParaRPr kumimoji="1" lang="ja-JP" altLang="en-US"/>
           </a:p>
@@ -1622,7 +1622,7 @@
           <a:p>
             <a:fld id="{23A318CB-6B49-4B95-B342-75A59712D973}" type="datetimeFigureOut">
               <a:rPr kumimoji="1" lang="ja-JP" altLang="en-US" smtClean="0"/>
-              <a:t>2016/9/6</a:t>
+              <a:t>2016/9/7</a:t>
             </a:fld>
             <a:endParaRPr kumimoji="1" lang="ja-JP" altLang="en-US"/>
           </a:p>
@@ -1876,7 +1876,7 @@
           <a:p>
             <a:fld id="{23A318CB-6B49-4B95-B342-75A59712D973}" type="datetimeFigureOut">
               <a:rPr kumimoji="1" lang="ja-JP" altLang="en-US" smtClean="0"/>
-              <a:t>2016/9/6</a:t>
+              <a:t>2016/9/7</a:t>
             </a:fld>
             <a:endParaRPr kumimoji="1" lang="ja-JP" altLang="en-US"/>
           </a:p>
@@ -2121,7 +2121,7 @@
           <a:p>
             <a:fld id="{23A318CB-6B49-4B95-B342-75A59712D973}" type="datetimeFigureOut">
               <a:rPr kumimoji="1" lang="ja-JP" altLang="en-US" smtClean="0"/>
-              <a:t>2016/9/6</a:t>
+              <a:t>2016/9/7</a:t>
             </a:fld>
             <a:endParaRPr kumimoji="1" lang="ja-JP" altLang="en-US"/>
           </a:p>
@@ -2471,7 +2471,7 @@
           <a:p>
             <a:fld id="{23A318CB-6B49-4B95-B342-75A59712D973}" type="datetimeFigureOut">
               <a:rPr kumimoji="1" lang="ja-JP" altLang="en-US" smtClean="0"/>
-              <a:t>2016/9/6</a:t>
+              <a:t>2016/9/7</a:t>
             </a:fld>
             <a:endParaRPr kumimoji="1" lang="ja-JP" altLang="en-US"/>
           </a:p>
@@ -2954,7 +2954,7 @@
           <a:p>
             <a:fld id="{23A318CB-6B49-4B95-B342-75A59712D973}" type="datetimeFigureOut">
               <a:rPr kumimoji="1" lang="ja-JP" altLang="en-US" smtClean="0"/>
-              <a:t>2016/9/6</a:t>
+              <a:t>2016/9/7</a:t>
             </a:fld>
             <a:endParaRPr kumimoji="1" lang="ja-JP" altLang="en-US"/>
           </a:p>
@@ -3071,7 +3071,7 @@
           <a:p>
             <a:fld id="{23A318CB-6B49-4B95-B342-75A59712D973}" type="datetimeFigureOut">
               <a:rPr kumimoji="1" lang="ja-JP" altLang="en-US" smtClean="0"/>
-              <a:t>2016/9/6</a:t>
+              <a:t>2016/9/7</a:t>
             </a:fld>
             <a:endParaRPr kumimoji="1" lang="ja-JP" altLang="en-US"/>
           </a:p>
@@ -3166,7 +3166,7 @@
           <a:p>
             <a:fld id="{23A318CB-6B49-4B95-B342-75A59712D973}" type="datetimeFigureOut">
               <a:rPr kumimoji="1" lang="ja-JP" altLang="en-US" smtClean="0"/>
-              <a:t>2016/9/6</a:t>
+              <a:t>2016/9/7</a:t>
             </a:fld>
             <a:endParaRPr kumimoji="1" lang="ja-JP" altLang="en-US"/>
           </a:p>
@@ -3473,7 +3473,7 @@
           <a:p>
             <a:fld id="{23A318CB-6B49-4B95-B342-75A59712D973}" type="datetimeFigureOut">
               <a:rPr kumimoji="1" lang="ja-JP" altLang="en-US" smtClean="0"/>
-              <a:t>2016/9/6</a:t>
+              <a:t>2016/9/7</a:t>
             </a:fld>
             <a:endParaRPr kumimoji="1" lang="ja-JP" altLang="en-US"/>
           </a:p>
@@ -3728,7 +3728,7 @@
           <a:p>
             <a:fld id="{23A318CB-6B49-4B95-B342-75A59712D973}" type="datetimeFigureOut">
               <a:rPr kumimoji="1" lang="ja-JP" altLang="en-US" smtClean="0"/>
-              <a:t>2016/9/6</a:t>
+              <a:t>2016/9/7</a:t>
             </a:fld>
             <a:endParaRPr kumimoji="1" lang="ja-JP" altLang="en-US"/>
           </a:p>
@@ -3974,7 +3974,7 @@
           <a:p>
             <a:fld id="{23A318CB-6B49-4B95-B342-75A59712D973}" type="datetimeFigureOut">
               <a:rPr kumimoji="1" lang="ja-JP" altLang="en-US" smtClean="0"/>
-              <a:t>2016/9/6</a:t>
+              <a:t>2016/9/7</a:t>
             </a:fld>
             <a:endParaRPr kumimoji="1" lang="ja-JP" altLang="en-US"/>
           </a:p>
@@ -7935,9 +7935,10 @@
           <a:lstStyle/>
           <a:p>
             <a:r>
-              <a:rPr kumimoji="1" lang="ja-JP" altLang="en-US" dirty="0"/>
-              <a:t>試験体骨組質量</a:t>
-            </a:r>
+              <a:rPr kumimoji="1" lang="en-US" altLang="ja-JP" dirty="0" smtClean="0"/>
+              <a:t>Mass of specimen</a:t>
+            </a:r>
+            <a:endParaRPr kumimoji="1" lang="ja-JP" altLang="en-US" dirty="0"/>
           </a:p>
         </p:txBody>
       </p:sp>
@@ -8022,14 +8023,14 @@
           <p:nvPr>
             <p:extLst>
               <p:ext uri="{D42A27DB-BD31-4B8C-83A1-F6EECF244321}">
-                <p14:modId xmlns:p14="http://schemas.microsoft.com/office/powerpoint/2010/main" val="620418480"/>
+                <p14:modId xmlns:p14="http://schemas.microsoft.com/office/powerpoint/2010/main" val="2919564778"/>
               </p:ext>
             </p:extLst>
           </p:nvPr>
         </p:nvGraphicFramePr>
         <p:xfrm>
-          <a:off x="1043608" y="4149080"/>
-          <a:ext cx="6362670" cy="2160000"/>
+          <a:off x="467544" y="3838152"/>
+          <a:ext cx="8136905" cy="2160000"/>
         </p:xfrm>
         <a:graphic>
           <a:graphicData uri="http://schemas.openxmlformats.org/drawingml/2006/table">
@@ -8038,24 +8039,24 @@
                 <a:tableStyleId>{5C22544A-7EE6-4342-B048-85BDC9FD1C3A}</a:tableStyleId>
               </a:tblPr>
               <a:tblGrid>
-                <a:gridCol w="3004594">
+                <a:gridCol w="3842427">
                   <a:extLst>
                     <a:ext uri="{9D8B030D-6E8A-4147-A177-3AD203B41FA5}">
-                      <a16:colId xmlns:a16="http://schemas.microsoft.com/office/drawing/2014/main" xmlns="" val="20000"/>
+                      <a16:colId xmlns="" xmlns:a16="http://schemas.microsoft.com/office/drawing/2014/main" val="20000"/>
                     </a:ext>
                   </a:extLst>
                 </a:gridCol>
-                <a:gridCol w="1679038">
+                <a:gridCol w="2147239">
                   <a:extLst>
                     <a:ext uri="{9D8B030D-6E8A-4147-A177-3AD203B41FA5}">
-                      <a16:colId xmlns:a16="http://schemas.microsoft.com/office/drawing/2014/main" xmlns="" val="20001"/>
+                      <a16:colId xmlns="" xmlns:a16="http://schemas.microsoft.com/office/drawing/2014/main" val="20001"/>
                     </a:ext>
                   </a:extLst>
                 </a:gridCol>
-                <a:gridCol w="1679038">
+                <a:gridCol w="2147239">
                   <a:extLst>
                     <a:ext uri="{9D8B030D-6E8A-4147-A177-3AD203B41FA5}">
-                      <a16:colId xmlns:a16="http://schemas.microsoft.com/office/drawing/2014/main" xmlns="" val="20002"/>
+                      <a16:colId xmlns="" xmlns:a16="http://schemas.microsoft.com/office/drawing/2014/main" val="20002"/>
                     </a:ext>
                   </a:extLst>
                 </a:gridCol>
@@ -8067,14 +8068,6 @@
                     <a:lstStyle/>
                     <a:p>
                       <a:pPr algn="l" fontAlgn="ctr"/>
-                      <a:r>
-                        <a:rPr lang="ja-JP" altLang="en-US" sz="1900" u="none" strike="noStrike" dirty="0">
-                          <a:effectLst/>
-                          <a:latin typeface="Times New Roman" panose="02020603050405020304" pitchFamily="18" charset="0"/>
-                          <a:cs typeface="Times New Roman" panose="02020603050405020304" pitchFamily="18" charset="0"/>
-                        </a:rPr>
-                        <a:t>解析モデルから情報取得</a:t>
-                      </a:r>
                       <a:endParaRPr lang="ja-JP" altLang="en-US" sz="1900" b="0" i="0" u="none" strike="noStrike" dirty="0">
                         <a:solidFill>
                           <a:srgbClr val="000000"/>
@@ -8130,32 +8123,40 @@
                     <a:bodyPr/>
                     <a:lstStyle/>
                     <a:p>
-                      <a:pPr algn="l" fontAlgn="ctr"/>
-                      <a:r>
-                        <a:rPr lang="ja-JP" altLang="en-US" sz="1900" u="none" strike="noStrike">
+                      <a:pPr algn="ctr" fontAlgn="ctr"/>
+                      <a:r>
+                        <a:rPr lang="en-US" altLang="ja-JP" sz="1900" u="none" strike="noStrike" dirty="0" smtClean="0">
                           <a:effectLst/>
                           <a:latin typeface="Times New Roman" panose="02020603050405020304" pitchFamily="18" charset="0"/>
                           <a:cs typeface="Times New Roman" panose="02020603050405020304" pitchFamily="18" charset="0"/>
                         </a:rPr>
-                        <a:t>体積</a:t>
-                      </a:r>
-                      <a:r>
-                        <a:rPr lang="en-US" altLang="ja-JP" sz="1900" u="none" strike="noStrike">
+                        <a:t> Volume </a:t>
+                      </a:r>
+                      <a:r>
+                        <a:rPr lang="en-US" altLang="ja-JP" sz="1900" u="none" strike="noStrike" baseline="0" dirty="0" smtClean="0">
                           <a:effectLst/>
                           <a:latin typeface="Times New Roman" panose="02020603050405020304" pitchFamily="18" charset="0"/>
                           <a:cs typeface="Times New Roman" panose="02020603050405020304" pitchFamily="18" charset="0"/>
                         </a:rPr>
-                        <a:t>(</a:t>
-                      </a:r>
-                      <a:r>
-                        <a:rPr lang="en-US" sz="1900" u="none" strike="noStrike">
+                        <a:t> [</a:t>
+                      </a:r>
+                      <a:r>
+                        <a:rPr lang="en-US" sz="1900" u="none" strike="noStrike" dirty="0" smtClean="0">
                           <a:effectLst/>
                           <a:latin typeface="Times New Roman" panose="02020603050405020304" pitchFamily="18" charset="0"/>
                           <a:cs typeface="Times New Roman" panose="02020603050405020304" pitchFamily="18" charset="0"/>
                         </a:rPr>
-                        <a:t>mm3)</a:t>
-                      </a:r>
-                      <a:endParaRPr lang="en-US" sz="1900" b="0" i="0" u="none" strike="noStrike">
+                        <a:t>mm3</a:t>
+                      </a:r>
+                      <a:r>
+                        <a:rPr lang="en-US" sz="1900" u="none" strike="noStrike" dirty="0">
+                          <a:effectLst/>
+                          <a:latin typeface="Times New Roman" panose="02020603050405020304" pitchFamily="18" charset="0"/>
+                          <a:cs typeface="Times New Roman" panose="02020603050405020304" pitchFamily="18" charset="0"/>
+                        </a:rPr>
+                        <a:t>]</a:t>
+                      </a:r>
+                      <a:endParaRPr lang="en-US" sz="1900" b="0" i="0" u="none" strike="noStrike" dirty="0">
                         <a:solidFill>
                           <a:srgbClr val="000000"/>
                         </a:solidFill>
@@ -8210,32 +8211,32 @@
                     <a:bodyPr/>
                     <a:lstStyle/>
                     <a:p>
-                      <a:pPr algn="l" fontAlgn="ctr"/>
-                      <a:r>
-                        <a:rPr lang="ja-JP" altLang="en-US" sz="1900" u="none" strike="noStrike">
+                      <a:pPr algn="ctr" fontAlgn="ctr"/>
+                      <a:r>
+                        <a:rPr lang="en-US" altLang="ja-JP" sz="1900" u="none" strike="noStrike" dirty="0" smtClean="0">
                           <a:effectLst/>
                           <a:latin typeface="Times New Roman" panose="02020603050405020304" pitchFamily="18" charset="0"/>
                           <a:cs typeface="Times New Roman" panose="02020603050405020304" pitchFamily="18" charset="0"/>
                         </a:rPr>
-                        <a:t>質量</a:t>
-                      </a:r>
-                      <a:r>
-                        <a:rPr lang="en-US" altLang="ja-JP" sz="1900" u="none" strike="noStrike">
+                        <a:t> Mass [</a:t>
+                      </a:r>
+                      <a:r>
+                        <a:rPr lang="en-US" sz="1900" u="none" strike="noStrike" dirty="0" smtClean="0">
                           <a:effectLst/>
                           <a:latin typeface="Times New Roman" panose="02020603050405020304" pitchFamily="18" charset="0"/>
                           <a:cs typeface="Times New Roman" panose="02020603050405020304" pitchFamily="18" charset="0"/>
                         </a:rPr>
-                        <a:t>(</a:t>
-                      </a:r>
-                      <a:r>
-                        <a:rPr lang="en-US" sz="1900" u="none" strike="noStrike">
+                        <a:t>kg</a:t>
+                      </a:r>
+                      <a:r>
+                        <a:rPr lang="en-US" sz="1900" u="none" strike="noStrike" dirty="0">
                           <a:effectLst/>
                           <a:latin typeface="Times New Roman" panose="02020603050405020304" pitchFamily="18" charset="0"/>
                           <a:cs typeface="Times New Roman" panose="02020603050405020304" pitchFamily="18" charset="0"/>
                         </a:rPr>
-                        <a:t>kg)</a:t>
-                      </a:r>
-                      <a:endParaRPr lang="en-US" sz="1900" b="0" i="0" u="none" strike="noStrike">
+                        <a:t>]</a:t>
+                      </a:r>
+                      <a:endParaRPr lang="en-US" sz="1900" b="0" i="0" u="none" strike="noStrike" dirty="0">
                         <a:solidFill>
                           <a:srgbClr val="000000"/>
                         </a:solidFill>
@@ -8287,7 +8288,7 @@
                 </a:tc>
                 <a:extLst>
                   <a:ext uri="{0D108BD9-81ED-4DB2-BD59-A6C34878D82A}">
-                    <a16:rowId xmlns:a16="http://schemas.microsoft.com/office/drawing/2014/main" xmlns="" val="10000"/>
+                    <a16:rowId xmlns="" xmlns:a16="http://schemas.microsoft.com/office/drawing/2014/main" val="10000"/>
                   </a:ext>
                 </a:extLst>
               </a:tr>
@@ -8299,12 +8300,36 @@
                     <a:p>
                       <a:pPr algn="l" fontAlgn="ctr"/>
                       <a:r>
-                        <a:rPr lang="zh-TW" altLang="en-US" sz="1900" b="1" u="none" strike="noStrike" dirty="0">
+                        <a:rPr lang="en-US" altLang="zh-TW" sz="1900" b="1" u="none" strike="noStrike" dirty="0" smtClean="0">
                           <a:effectLst/>
                           <a:latin typeface="Times New Roman" panose="02020603050405020304" pitchFamily="18" charset="0"/>
                           <a:cs typeface="Times New Roman" panose="02020603050405020304" pitchFamily="18" charset="0"/>
                         </a:rPr>
-                        <a:t>試験体（床面補強後）</a:t>
+                        <a:t>Specimen</a:t>
+                      </a:r>
+                      <a:r>
+                        <a:rPr lang="zh-TW" altLang="en-US" sz="1900" b="1" u="none" strike="noStrike" dirty="0" smtClean="0">
+                          <a:effectLst/>
+                          <a:latin typeface="Times New Roman" panose="02020603050405020304" pitchFamily="18" charset="0"/>
+                          <a:cs typeface="Times New Roman" panose="02020603050405020304" pitchFamily="18" charset="0"/>
+                        </a:rPr>
+                        <a:t>（</a:t>
+                      </a:r>
+                      <a:r>
+                        <a:rPr lang="en-US" altLang="zh-TW" sz="1900" b="1" u="none" strike="noStrike" dirty="0" smtClean="0">
+                          <a:effectLst/>
+                          <a:latin typeface="Times New Roman" panose="02020603050405020304" pitchFamily="18" charset="0"/>
+                          <a:cs typeface="Times New Roman" panose="02020603050405020304" pitchFamily="18" charset="0"/>
+                        </a:rPr>
+                        <a:t>floor is reinforced</a:t>
+                      </a:r>
+                      <a:r>
+                        <a:rPr lang="zh-TW" altLang="en-US" sz="1900" b="1" u="none" strike="noStrike" dirty="0" smtClean="0">
+                          <a:effectLst/>
+                          <a:latin typeface="Times New Roman" panose="02020603050405020304" pitchFamily="18" charset="0"/>
+                          <a:cs typeface="Times New Roman" panose="02020603050405020304" pitchFamily="18" charset="0"/>
+                        </a:rPr>
+                        <a:t>）</a:t>
                       </a:r>
                       <a:endParaRPr lang="zh-TW" altLang="en-US" sz="1900" b="1" i="0" u="none" strike="noStrike" dirty="0">
                         <a:solidFill>
@@ -8361,16 +8386,16 @@
                     <a:bodyPr/>
                     <a:lstStyle/>
                     <a:p>
-                      <a:pPr algn="r" fontAlgn="ctr"/>
-                      <a:r>
-                        <a:rPr lang="en-US" sz="1900" u="none" strike="noStrike">
+                      <a:pPr algn="ctr" fontAlgn="ctr"/>
+                      <a:r>
+                        <a:rPr lang="en-US" sz="1900" u="none" strike="noStrike" dirty="0">
                           <a:effectLst/>
                           <a:latin typeface="Times New Roman" panose="02020603050405020304" pitchFamily="18" charset="0"/>
                           <a:cs typeface="Times New Roman" panose="02020603050405020304" pitchFamily="18" charset="0"/>
                         </a:rPr>
                         <a:t>2.24E+08</a:t>
                       </a:r>
-                      <a:endParaRPr lang="en-US" sz="1900" b="0" i="0" u="none" strike="noStrike">
+                      <a:endParaRPr lang="en-US" sz="1900" b="0" i="0" u="none" strike="noStrike" dirty="0">
                         <a:solidFill>
                           <a:srgbClr val="000000"/>
                         </a:solidFill>
@@ -8425,7 +8450,7 @@
                     <a:bodyPr/>
                     <a:lstStyle/>
                     <a:p>
-                      <a:pPr algn="r" fontAlgn="ctr"/>
+                      <a:pPr algn="ctr" fontAlgn="ctr"/>
                       <a:r>
                         <a:rPr lang="en-US" altLang="ja-JP" sz="1900" u="none" strike="noStrike">
                           <a:effectLst/>
@@ -8486,7 +8511,7 @@
                 </a:tc>
                 <a:extLst>
                   <a:ext uri="{0D108BD9-81ED-4DB2-BD59-A6C34878D82A}">
-                    <a16:rowId xmlns:a16="http://schemas.microsoft.com/office/drawing/2014/main" xmlns="" val="10001"/>
+                    <a16:rowId xmlns="" xmlns:a16="http://schemas.microsoft.com/office/drawing/2014/main" val="10001"/>
                   </a:ext>
                 </a:extLst>
               </a:tr>
@@ -8498,20 +8523,52 @@
                     <a:p>
                       <a:pPr algn="l" fontAlgn="ctr"/>
                       <a:r>
-                        <a:rPr lang="en-US" altLang="ja-JP" sz="1900" u="none" strike="noStrike" dirty="0">
+                        <a:rPr lang="en-US" altLang="ja-JP" sz="1900" u="none" strike="noStrike" dirty="0" smtClean="0">
                           <a:effectLst/>
                           <a:latin typeface="Times New Roman" panose="02020603050405020304" pitchFamily="18" charset="0"/>
                           <a:cs typeface="Times New Roman" panose="02020603050405020304" pitchFamily="18" charset="0"/>
                         </a:rPr>
-                        <a:t>1</a:t>
-                      </a:r>
-                      <a:r>
-                        <a:rPr lang="ja-JP" altLang="en-US" sz="1900" u="none" strike="noStrike" dirty="0">
+                        <a:t>1st</a:t>
+                      </a:r>
+                      <a:r>
+                        <a:rPr lang="en-US" altLang="ja-JP" sz="1900" u="none" strike="noStrike" baseline="0" dirty="0" smtClean="0">
                           <a:effectLst/>
                           <a:latin typeface="Times New Roman" panose="02020603050405020304" pitchFamily="18" charset="0"/>
                           <a:cs typeface="Times New Roman" panose="02020603050405020304" pitchFamily="18" charset="0"/>
                         </a:rPr>
-                        <a:t>層（ベースプレート含まず）</a:t>
+                        <a:t> layer</a:t>
+                      </a:r>
+                      <a:r>
+                        <a:rPr lang="ja-JP" altLang="en-US" sz="1900" u="none" strike="noStrike" dirty="0" smtClean="0">
+                          <a:effectLst/>
+                          <a:latin typeface="Times New Roman" panose="02020603050405020304" pitchFamily="18" charset="0"/>
+                          <a:cs typeface="Times New Roman" panose="02020603050405020304" pitchFamily="18" charset="0"/>
+                        </a:rPr>
+                        <a:t>（</a:t>
+                      </a:r>
+                      <a:r>
+                        <a:rPr lang="en-US" altLang="ja-JP" sz="1900" u="none" strike="noStrike" dirty="0" smtClean="0">
+                          <a:effectLst/>
+                          <a:latin typeface="Times New Roman" panose="02020603050405020304" pitchFamily="18" charset="0"/>
+                          <a:cs typeface="Times New Roman" panose="02020603050405020304" pitchFamily="18" charset="0"/>
+                        </a:rPr>
+                        <a:t>not</a:t>
+                      </a:r>
+                      <a:r>
+                        <a:rPr lang="en-US" altLang="ja-JP" sz="1900" u="none" strike="noStrike" baseline="0" dirty="0" smtClean="0">
+                          <a:effectLst/>
+                          <a:latin typeface="Times New Roman" panose="02020603050405020304" pitchFamily="18" charset="0"/>
+                          <a:cs typeface="Times New Roman" panose="02020603050405020304" pitchFamily="18" charset="0"/>
+                        </a:rPr>
+                        <a:t> including base plate</a:t>
+                      </a:r>
+                      <a:r>
+                        <a:rPr lang="ja-JP" altLang="en-US" sz="1900" u="none" strike="noStrike" dirty="0" smtClean="0">
+                          <a:effectLst/>
+                          <a:latin typeface="Times New Roman" panose="02020603050405020304" pitchFamily="18" charset="0"/>
+                          <a:cs typeface="Times New Roman" panose="02020603050405020304" pitchFamily="18" charset="0"/>
+                        </a:rPr>
+                        <a:t>）</a:t>
                       </a:r>
                       <a:endParaRPr lang="ja-JP" altLang="en-US" sz="1900" b="0" i="0" u="none" strike="noStrike" dirty="0">
                         <a:solidFill>
@@ -8568,16 +8625,16 @@
                     <a:bodyPr/>
                     <a:lstStyle/>
                     <a:p>
-                      <a:pPr algn="r" fontAlgn="ctr"/>
-                      <a:r>
-                        <a:rPr lang="en-US" sz="1900" u="none" strike="noStrike">
+                      <a:pPr algn="ctr" fontAlgn="ctr"/>
+                      <a:r>
+                        <a:rPr lang="en-US" sz="1900" u="none" strike="noStrike" dirty="0">
                           <a:effectLst/>
                           <a:latin typeface="Times New Roman" panose="02020603050405020304" pitchFamily="18" charset="0"/>
                           <a:cs typeface="Times New Roman" panose="02020603050405020304" pitchFamily="18" charset="0"/>
                         </a:rPr>
                         <a:t>7.95E+07</a:t>
                       </a:r>
-                      <a:endParaRPr lang="en-US" sz="1900" b="0" i="0" u="none" strike="noStrike">
+                      <a:endParaRPr lang="en-US" sz="1900" b="0" i="0" u="none" strike="noStrike" dirty="0">
                         <a:solidFill>
                           <a:srgbClr val="000000"/>
                         </a:solidFill>
@@ -8632,7 +8689,7 @@
                     <a:bodyPr/>
                     <a:lstStyle/>
                     <a:p>
-                      <a:pPr algn="r" fontAlgn="ctr"/>
+                      <a:pPr algn="ctr" fontAlgn="ctr"/>
                       <a:r>
                         <a:rPr lang="en-US" altLang="ja-JP" sz="1900" u="none" strike="noStrike">
                           <a:effectLst/>
@@ -8693,7 +8750,7 @@
                 </a:tc>
                 <a:extLst>
                   <a:ext uri="{0D108BD9-81ED-4DB2-BD59-A6C34878D82A}">
-                    <a16:rowId xmlns:a16="http://schemas.microsoft.com/office/drawing/2014/main" xmlns="" val="10002"/>
+                    <a16:rowId xmlns="" xmlns:a16="http://schemas.microsoft.com/office/drawing/2014/main" val="10002"/>
                   </a:ext>
                 </a:extLst>
               </a:tr>
@@ -8705,20 +8762,12 @@
                     <a:p>
                       <a:pPr algn="l" fontAlgn="ctr"/>
                       <a:r>
-                        <a:rPr lang="en-US" altLang="ja-JP" sz="1900" u="none" strike="noStrike" dirty="0">
+                        <a:rPr lang="en-US" altLang="ja-JP" sz="1900" u="none" strike="noStrike" dirty="0" smtClean="0">
                           <a:effectLst/>
                           <a:latin typeface="Times New Roman" panose="02020603050405020304" pitchFamily="18" charset="0"/>
                           <a:cs typeface="Times New Roman" panose="02020603050405020304" pitchFamily="18" charset="0"/>
                         </a:rPr>
-                        <a:t>2</a:t>
-                      </a:r>
-                      <a:r>
-                        <a:rPr lang="ja-JP" altLang="en-US" sz="1900" u="none" strike="noStrike" dirty="0">
-                          <a:effectLst/>
-                          <a:latin typeface="Times New Roman" panose="02020603050405020304" pitchFamily="18" charset="0"/>
-                          <a:cs typeface="Times New Roman" panose="02020603050405020304" pitchFamily="18" charset="0"/>
-                        </a:rPr>
-                        <a:t>層</a:t>
+                        <a:t>2nd layer</a:t>
                       </a:r>
                       <a:endParaRPr lang="ja-JP" altLang="en-US" sz="1900" b="0" i="0" u="none" strike="noStrike" dirty="0">
                         <a:solidFill>
@@ -8775,7 +8824,7 @@
                     <a:bodyPr/>
                     <a:lstStyle/>
                     <a:p>
-                      <a:pPr algn="r" fontAlgn="ctr"/>
+                      <a:pPr algn="ctr" fontAlgn="ctr"/>
                       <a:r>
                         <a:rPr lang="en-US" sz="1900" u="none" strike="noStrike" dirty="0">
                           <a:effectLst/>
@@ -8839,16 +8888,16 @@
                     <a:bodyPr/>
                     <a:lstStyle/>
                     <a:p>
-                      <a:pPr algn="r" fontAlgn="ctr"/>
-                      <a:r>
-                        <a:rPr lang="en-US" altLang="ja-JP" sz="1900" u="none" strike="noStrike">
+                      <a:pPr algn="ctr" fontAlgn="ctr"/>
+                      <a:r>
+                        <a:rPr lang="en-US" altLang="ja-JP" sz="1900" u="none" strike="noStrike" dirty="0">
                           <a:effectLst/>
                           <a:latin typeface="Times New Roman" panose="02020603050405020304" pitchFamily="18" charset="0"/>
                           <a:cs typeface="Times New Roman" panose="02020603050405020304" pitchFamily="18" charset="0"/>
                         </a:rPr>
                         <a:t>621 </a:t>
                       </a:r>
-                      <a:endParaRPr lang="en-US" altLang="ja-JP" sz="1900" b="0" i="0" u="none" strike="noStrike">
+                      <a:endParaRPr lang="en-US" altLang="ja-JP" sz="1900" b="0" i="0" u="none" strike="noStrike" dirty="0">
                         <a:solidFill>
                           <a:srgbClr val="000000"/>
                         </a:solidFill>
@@ -8900,7 +8949,7 @@
                 </a:tc>
                 <a:extLst>
                   <a:ext uri="{0D108BD9-81ED-4DB2-BD59-A6C34878D82A}">
-                    <a16:rowId xmlns:a16="http://schemas.microsoft.com/office/drawing/2014/main" xmlns="" val="10003"/>
+                    <a16:rowId xmlns="" xmlns:a16="http://schemas.microsoft.com/office/drawing/2014/main" val="10003"/>
                   </a:ext>
                 </a:extLst>
               </a:tr>
@@ -8912,20 +8961,20 @@
                     <a:p>
                       <a:pPr algn="l" fontAlgn="ctr"/>
                       <a:r>
-                        <a:rPr lang="en-US" altLang="ja-JP" sz="1900" u="none" strike="noStrike" dirty="0">
+                        <a:rPr lang="en-US" altLang="ja-JP" sz="1900" u="none" strike="noStrike" dirty="0" smtClean="0">
                           <a:effectLst/>
                           <a:latin typeface="Times New Roman" panose="02020603050405020304" pitchFamily="18" charset="0"/>
                           <a:cs typeface="Times New Roman" panose="02020603050405020304" pitchFamily="18" charset="0"/>
                         </a:rPr>
-                        <a:t>3+4</a:t>
-                      </a:r>
-                      <a:r>
-                        <a:rPr lang="ja-JP" altLang="en-US" sz="1900" u="none" strike="noStrike" dirty="0">
+                        <a:t>3rd</a:t>
+                      </a:r>
+                      <a:r>
+                        <a:rPr lang="en-US" altLang="ja-JP" sz="1900" u="none" strike="noStrike" baseline="0" dirty="0" smtClean="0">
                           <a:effectLst/>
                           <a:latin typeface="Times New Roman" panose="02020603050405020304" pitchFamily="18" charset="0"/>
                           <a:cs typeface="Times New Roman" panose="02020603050405020304" pitchFamily="18" charset="0"/>
                         </a:rPr>
-                        <a:t>層</a:t>
+                        <a:t> and 4th layer</a:t>
                       </a:r>
                       <a:endParaRPr lang="ja-JP" altLang="en-US" sz="1900" b="0" i="0" u="none" strike="noStrike" dirty="0">
                         <a:solidFill>
@@ -8982,7 +9031,7 @@
                     <a:bodyPr/>
                     <a:lstStyle/>
                     <a:p>
-                      <a:pPr algn="r" fontAlgn="ctr"/>
+                      <a:pPr algn="ctr" fontAlgn="ctr"/>
                       <a:r>
                         <a:rPr lang="en-US" sz="1900" u="none" strike="noStrike" dirty="0">
                           <a:effectLst/>
@@ -9046,7 +9095,7 @@
                     <a:bodyPr/>
                     <a:lstStyle/>
                     <a:p>
-                      <a:pPr algn="r" fontAlgn="ctr"/>
+                      <a:pPr algn="ctr" fontAlgn="ctr"/>
                       <a:r>
                         <a:rPr lang="en-US" altLang="ja-JP" sz="1900" u="none" strike="noStrike" dirty="0">
                           <a:effectLst/>
@@ -9107,7 +9156,7 @@
                 </a:tc>
                 <a:extLst>
                   <a:ext uri="{0D108BD9-81ED-4DB2-BD59-A6C34878D82A}">
-                    <a16:rowId xmlns:a16="http://schemas.microsoft.com/office/drawing/2014/main" xmlns="" val="10004"/>
+                    <a16:rowId xmlns="" xmlns:a16="http://schemas.microsoft.com/office/drawing/2014/main" val="10004"/>
                   </a:ext>
                 </a:extLst>
               </a:tr>
@@ -9124,7 +9173,7 @@
         <p:spPr>
           <a:xfrm>
             <a:off x="68658" y="2844421"/>
-            <a:ext cx="2842445" cy="369332"/>
+            <a:ext cx="2749471" cy="646331"/>
           </a:xfrm>
           <a:prstGeom prst="rect">
             <a:avLst/>
@@ -9136,20 +9185,37 @@
           </a:bodyPr>
           <a:lstStyle/>
           <a:p>
-            <a:pPr fontAlgn="ctr"/>
-            <a:r>
-              <a:rPr lang="en-US" altLang="ja-JP" dirty="0">
+            <a:pPr algn="ctr" fontAlgn="ctr"/>
+            <a:r>
+              <a:rPr lang="en-US" altLang="ja-JP" dirty="0" smtClean="0">
                 <a:latin typeface="Times New Roman" panose="02020603050405020304" pitchFamily="18" charset="0"/>
                 <a:cs typeface="Times New Roman" panose="02020603050405020304" pitchFamily="18" charset="0"/>
               </a:rPr>
-              <a:t>1</a:t>
-            </a:r>
-            <a:r>
-              <a:rPr lang="ja-JP" altLang="en-US" dirty="0">
+              <a:t>1st layer</a:t>
+            </a:r>
+          </a:p>
+          <a:p>
+            <a:pPr algn="ctr" fontAlgn="ctr"/>
+            <a:r>
+              <a:rPr lang="ja-JP" altLang="en-US" dirty="0" smtClean="0">
                 <a:latin typeface="Times New Roman" panose="02020603050405020304" pitchFamily="18" charset="0"/>
                 <a:cs typeface="Times New Roman" panose="02020603050405020304" pitchFamily="18" charset="0"/>
               </a:rPr>
-              <a:t>層（ベースプレート含まず）</a:t>
+              <a:t>（</a:t>
+            </a:r>
+            <a:r>
+              <a:rPr lang="en-US" altLang="ja-JP" dirty="0" smtClean="0">
+                <a:latin typeface="Times New Roman" panose="02020603050405020304" pitchFamily="18" charset="0"/>
+                <a:cs typeface="Times New Roman" panose="02020603050405020304" pitchFamily="18" charset="0"/>
+              </a:rPr>
+              <a:t>base plate is not included</a:t>
+            </a:r>
+            <a:r>
+              <a:rPr lang="ja-JP" altLang="en-US" dirty="0" smtClean="0">
+                <a:latin typeface="Times New Roman" panose="02020603050405020304" pitchFamily="18" charset="0"/>
+                <a:cs typeface="Times New Roman" panose="02020603050405020304" pitchFamily="18" charset="0"/>
+              </a:rPr>
+              <a:t>）</a:t>
             </a:r>
             <a:endParaRPr lang="ja-JP" altLang="en-US" dirty="0">
               <a:solidFill>
@@ -9169,33 +9235,26 @@
         </p:nvSpPr>
         <p:spPr>
           <a:xfrm>
-            <a:off x="4224943" y="2844421"/>
-            <a:ext cx="530915" cy="369332"/>
+            <a:off x="3131840" y="2844421"/>
+            <a:ext cx="2592288" cy="369332"/>
           </a:xfrm>
           <a:prstGeom prst="rect">
             <a:avLst/>
           </a:prstGeom>
         </p:spPr>
         <p:txBody>
-          <a:bodyPr wrap="none">
+          <a:bodyPr wrap="square">
             <a:spAutoFit/>
           </a:bodyPr>
           <a:lstStyle/>
           <a:p>
-            <a:pPr fontAlgn="ctr"/>
-            <a:r>
-              <a:rPr lang="en-US" altLang="ja-JP" dirty="0">
+            <a:pPr algn="ctr" fontAlgn="ctr"/>
+            <a:r>
+              <a:rPr lang="en-US" altLang="ja-JP" dirty="0" smtClean="0">
                 <a:latin typeface="Times New Roman" panose="02020603050405020304" pitchFamily="18" charset="0"/>
                 <a:cs typeface="Times New Roman" panose="02020603050405020304" pitchFamily="18" charset="0"/>
               </a:rPr>
-              <a:t>2</a:t>
-            </a:r>
-            <a:r>
-              <a:rPr lang="ja-JP" altLang="en-US" dirty="0">
-                <a:latin typeface="Times New Roman" panose="02020603050405020304" pitchFamily="18" charset="0"/>
-                <a:cs typeface="Times New Roman" panose="02020603050405020304" pitchFamily="18" charset="0"/>
-              </a:rPr>
-              <a:t>層</a:t>
+              <a:t>2nd layer</a:t>
             </a:r>
             <a:endParaRPr lang="ja-JP" altLang="en-US" dirty="0">
               <a:solidFill>
@@ -9215,14 +9274,53 @@
         </p:nvSpPr>
         <p:spPr>
           <a:xfrm>
-            <a:off x="7079351" y="2918005"/>
-            <a:ext cx="776175" cy="369332"/>
+            <a:off x="6033661" y="2918005"/>
+            <a:ext cx="2801299" cy="369332"/>
           </a:xfrm>
           <a:prstGeom prst="rect">
             <a:avLst/>
           </a:prstGeom>
         </p:spPr>
         <p:txBody>
+          <a:bodyPr wrap="square">
+            <a:spAutoFit/>
+          </a:bodyPr>
+          <a:lstStyle/>
+          <a:p>
+            <a:pPr algn="ctr" fontAlgn="ctr"/>
+            <a:r>
+              <a:rPr lang="en-US" altLang="ja-JP" dirty="0" smtClean="0">
+                <a:latin typeface="Times New Roman" panose="02020603050405020304" pitchFamily="18" charset="0"/>
+                <a:cs typeface="Times New Roman" panose="02020603050405020304" pitchFamily="18" charset="0"/>
+              </a:rPr>
+              <a:t>3rd and 4th layer</a:t>
+            </a:r>
+            <a:endParaRPr lang="ja-JP" altLang="en-US" dirty="0">
+              <a:solidFill>
+                <a:srgbClr val="000000"/>
+              </a:solidFill>
+              <a:latin typeface="Times New Roman" panose="02020603050405020304" pitchFamily="18" charset="0"/>
+              <a:cs typeface="Times New Roman" panose="02020603050405020304" pitchFamily="18" charset="0"/>
+            </a:endParaRPr>
+          </a:p>
+        </p:txBody>
+      </p:sp>
+      <p:sp>
+        <p:nvSpPr>
+          <p:cNvPr id="11" name="正方形/長方形 10"/>
+          <p:cNvSpPr/>
+          <p:nvPr/>
+        </p:nvSpPr>
+        <p:spPr>
+          <a:xfrm>
+            <a:off x="4355976" y="6158364"/>
+            <a:ext cx="4557658" cy="369332"/>
+          </a:xfrm>
+          <a:prstGeom prst="rect">
+            <a:avLst/>
+          </a:prstGeom>
+        </p:spPr>
+        <p:txBody>
           <a:bodyPr wrap="none">
             <a:spAutoFit/>
           </a:bodyPr>
@@ -9230,18 +9328,11 @@
           <a:p>
             <a:pPr fontAlgn="ctr"/>
             <a:r>
-              <a:rPr lang="en-US" altLang="ja-JP" dirty="0">
+              <a:rPr lang="en-US" altLang="ja-JP" dirty="0" smtClean="0">
                 <a:latin typeface="Times New Roman" panose="02020603050405020304" pitchFamily="18" charset="0"/>
                 <a:cs typeface="Times New Roman" panose="02020603050405020304" pitchFamily="18" charset="0"/>
               </a:rPr>
-              <a:t>3+4</a:t>
-            </a:r>
-            <a:r>
-              <a:rPr lang="ja-JP" altLang="en-US" dirty="0">
-                <a:latin typeface="Times New Roman" panose="02020603050405020304" pitchFamily="18" charset="0"/>
-                <a:cs typeface="Times New Roman" panose="02020603050405020304" pitchFamily="18" charset="0"/>
-              </a:rPr>
-              <a:t>層</a:t>
+              <a:t>* Calculated from the data of numerical model </a:t>
             </a:r>
             <a:endParaRPr lang="ja-JP" altLang="en-US" dirty="0">
               <a:solidFill>
@@ -9334,42 +9425,42 @@
                 <a:gridCol w="1008111">
                   <a:extLst>
                     <a:ext uri="{9D8B030D-6E8A-4147-A177-3AD203B41FA5}">
-                      <a16:colId xmlns:a16="http://schemas.microsoft.com/office/drawing/2014/main" xmlns="" val="3581696381"/>
+                      <a16:colId xmlns="" xmlns:a16="http://schemas.microsoft.com/office/drawing/2014/main" val="3581696381"/>
                     </a:ext>
                   </a:extLst>
                 </a:gridCol>
                 <a:gridCol w="2592288">
                   <a:extLst>
                     <a:ext uri="{9D8B030D-6E8A-4147-A177-3AD203B41FA5}">
-                      <a16:colId xmlns:a16="http://schemas.microsoft.com/office/drawing/2014/main" xmlns="" val="3694085717"/>
+                      <a16:colId xmlns="" xmlns:a16="http://schemas.microsoft.com/office/drawing/2014/main" val="3694085717"/>
                     </a:ext>
                   </a:extLst>
                 </a:gridCol>
                 <a:gridCol w="1296144">
                   <a:extLst>
                     <a:ext uri="{9D8B030D-6E8A-4147-A177-3AD203B41FA5}">
-                      <a16:colId xmlns:a16="http://schemas.microsoft.com/office/drawing/2014/main" xmlns="" val="2203118471"/>
+                      <a16:colId xmlns="" xmlns:a16="http://schemas.microsoft.com/office/drawing/2014/main" val="2203118471"/>
                     </a:ext>
                   </a:extLst>
                 </a:gridCol>
                 <a:gridCol w="1224136">
                   <a:extLst>
                     <a:ext uri="{9D8B030D-6E8A-4147-A177-3AD203B41FA5}">
-                      <a16:colId xmlns:a16="http://schemas.microsoft.com/office/drawing/2014/main" xmlns="" val="2314155026"/>
+                      <a16:colId xmlns="" xmlns:a16="http://schemas.microsoft.com/office/drawing/2014/main" val="2314155026"/>
                     </a:ext>
                   </a:extLst>
                 </a:gridCol>
                 <a:gridCol w="1152128">
                   <a:extLst>
                     <a:ext uri="{9D8B030D-6E8A-4147-A177-3AD203B41FA5}">
-                      <a16:colId xmlns:a16="http://schemas.microsoft.com/office/drawing/2014/main" xmlns="" val="3892885837"/>
+                      <a16:colId xmlns="" xmlns:a16="http://schemas.microsoft.com/office/drawing/2014/main" val="3892885837"/>
                     </a:ext>
                   </a:extLst>
                 </a:gridCol>
                 <a:gridCol w="1512168">
                   <a:extLst>
                     <a:ext uri="{9D8B030D-6E8A-4147-A177-3AD203B41FA5}">
-                      <a16:colId xmlns:a16="http://schemas.microsoft.com/office/drawing/2014/main" xmlns="" val="438210527"/>
+                      <a16:colId xmlns="" xmlns:a16="http://schemas.microsoft.com/office/drawing/2014/main" val="438210527"/>
                     </a:ext>
                   </a:extLst>
                 </a:gridCol>
@@ -9471,7 +9562,7 @@
                 </a:tc>
                 <a:extLst>
                   <a:ext uri="{0D108BD9-81ED-4DB2-BD59-A6C34878D82A}">
-                    <a16:rowId xmlns:a16="http://schemas.microsoft.com/office/drawing/2014/main" xmlns="" val="2119618218"/>
+                    <a16:rowId xmlns="" xmlns:a16="http://schemas.microsoft.com/office/drawing/2014/main" val="2119618218"/>
                   </a:ext>
                 </a:extLst>
               </a:tr>
@@ -9568,7 +9659,7 @@
                 </a:tc>
                 <a:extLst>
                   <a:ext uri="{0D108BD9-81ED-4DB2-BD59-A6C34878D82A}">
-                    <a16:rowId xmlns:a16="http://schemas.microsoft.com/office/drawing/2014/main" xmlns="" val="1599770868"/>
+                    <a16:rowId xmlns="" xmlns:a16="http://schemas.microsoft.com/office/drawing/2014/main" val="1599770868"/>
                   </a:ext>
                 </a:extLst>
               </a:tr>
@@ -9676,7 +9767,7 @@
                 </a:tc>
                 <a:extLst>
                   <a:ext uri="{0D108BD9-81ED-4DB2-BD59-A6C34878D82A}">
-                    <a16:rowId xmlns:a16="http://schemas.microsoft.com/office/drawing/2014/main" xmlns="" val="4091060868"/>
+                    <a16:rowId xmlns="" xmlns:a16="http://schemas.microsoft.com/office/drawing/2014/main" val="4091060868"/>
                   </a:ext>
                 </a:extLst>
               </a:tr>
@@ -9753,7 +9844,7 @@
                 </a:tc>
                 <a:extLst>
                   <a:ext uri="{0D108BD9-81ED-4DB2-BD59-A6C34878D82A}">
-                    <a16:rowId xmlns:a16="http://schemas.microsoft.com/office/drawing/2014/main" xmlns="" val="2026517451"/>
+                    <a16:rowId xmlns="" xmlns:a16="http://schemas.microsoft.com/office/drawing/2014/main" val="2026517451"/>
                   </a:ext>
                 </a:extLst>
               </a:tr>
@@ -9846,7 +9937,7 @@
                 </a:tc>
                 <a:extLst>
                   <a:ext uri="{0D108BD9-81ED-4DB2-BD59-A6C34878D82A}">
-                    <a16:rowId xmlns:a16="http://schemas.microsoft.com/office/drawing/2014/main" xmlns="" val="4016212339"/>
+                    <a16:rowId xmlns="" xmlns:a16="http://schemas.microsoft.com/office/drawing/2014/main" val="4016212339"/>
                   </a:ext>
                 </a:extLst>
               </a:tr>
@@ -9950,7 +10041,7 @@
                 </a:tc>
                 <a:extLst>
                   <a:ext uri="{0D108BD9-81ED-4DB2-BD59-A6C34878D82A}">
-                    <a16:rowId xmlns:a16="http://schemas.microsoft.com/office/drawing/2014/main" xmlns="" val="2279862499"/>
+                    <a16:rowId xmlns="" xmlns:a16="http://schemas.microsoft.com/office/drawing/2014/main" val="2279862499"/>
                   </a:ext>
                 </a:extLst>
               </a:tr>
@@ -10045,7 +10136,7 @@
                 </a:tc>
                 <a:extLst>
                   <a:ext uri="{0D108BD9-81ED-4DB2-BD59-A6C34878D82A}">
-                    <a16:rowId xmlns:a16="http://schemas.microsoft.com/office/drawing/2014/main" xmlns="" val="832266227"/>
+                    <a16:rowId xmlns="" xmlns:a16="http://schemas.microsoft.com/office/drawing/2014/main" val="832266227"/>
                   </a:ext>
                 </a:extLst>
               </a:tr>
@@ -10123,7 +10214,7 @@
                 </a:tc>
                 <a:extLst>
                   <a:ext uri="{0D108BD9-81ED-4DB2-BD59-A6C34878D82A}">
-                    <a16:rowId xmlns:a16="http://schemas.microsoft.com/office/drawing/2014/main" xmlns="" val="751561543"/>
+                    <a16:rowId xmlns="" xmlns:a16="http://schemas.microsoft.com/office/drawing/2014/main" val="751561543"/>
                   </a:ext>
                 </a:extLst>
               </a:tr>
@@ -10201,7 +10292,7 @@
                 </a:tc>
                 <a:extLst>
                   <a:ext uri="{0D108BD9-81ED-4DB2-BD59-A6C34878D82A}">
-                    <a16:rowId xmlns:a16="http://schemas.microsoft.com/office/drawing/2014/main" xmlns="" val="2620206051"/>
+                    <a16:rowId xmlns="" xmlns:a16="http://schemas.microsoft.com/office/drawing/2014/main" val="2620206051"/>
                   </a:ext>
                 </a:extLst>
               </a:tr>
@@ -10648,21 +10739,21 @@
                 <a:gridCol w="657492">
                   <a:extLst>
                     <a:ext uri="{9D8B030D-6E8A-4147-A177-3AD203B41FA5}">
-                      <a16:colId xmlns:a16="http://schemas.microsoft.com/office/drawing/2014/main" xmlns="" val="20000"/>
+                      <a16:colId xmlns="" xmlns:a16="http://schemas.microsoft.com/office/drawing/2014/main" val="20000"/>
                     </a:ext>
                   </a:extLst>
                 </a:gridCol>
                 <a:gridCol w="1512168">
                   <a:extLst>
                     <a:ext uri="{9D8B030D-6E8A-4147-A177-3AD203B41FA5}">
-                      <a16:colId xmlns:a16="http://schemas.microsoft.com/office/drawing/2014/main" xmlns="" val="20001"/>
+                      <a16:colId xmlns="" xmlns:a16="http://schemas.microsoft.com/office/drawing/2014/main" val="20001"/>
                     </a:ext>
                   </a:extLst>
                 </a:gridCol>
                 <a:gridCol w="1593596">
                   <a:extLst>
                     <a:ext uri="{9D8B030D-6E8A-4147-A177-3AD203B41FA5}">
-                      <a16:colId xmlns:a16="http://schemas.microsoft.com/office/drawing/2014/main" xmlns="" val="20002"/>
+                      <a16:colId xmlns="" xmlns:a16="http://schemas.microsoft.com/office/drawing/2014/main" val="20002"/>
                     </a:ext>
                   </a:extLst>
                 </a:gridCol>
@@ -10719,7 +10810,7 @@
                 </a:tc>
                 <a:extLst>
                   <a:ext uri="{0D108BD9-81ED-4DB2-BD59-A6C34878D82A}">
-                    <a16:rowId xmlns:a16="http://schemas.microsoft.com/office/drawing/2014/main" xmlns="" val="10000"/>
+                    <a16:rowId xmlns="" xmlns:a16="http://schemas.microsoft.com/office/drawing/2014/main" val="10000"/>
                   </a:ext>
                 </a:extLst>
               </a:tr>
@@ -10770,7 +10861,7 @@
                 </a:tc>
                 <a:extLst>
                   <a:ext uri="{0D108BD9-81ED-4DB2-BD59-A6C34878D82A}">
-                    <a16:rowId xmlns:a16="http://schemas.microsoft.com/office/drawing/2014/main" xmlns="" val="10001"/>
+                    <a16:rowId xmlns="" xmlns:a16="http://schemas.microsoft.com/office/drawing/2014/main" val="10001"/>
                   </a:ext>
                 </a:extLst>
               </a:tr>
@@ -10821,7 +10912,7 @@
                 </a:tc>
                 <a:extLst>
                   <a:ext uri="{0D108BD9-81ED-4DB2-BD59-A6C34878D82A}">
-                    <a16:rowId xmlns:a16="http://schemas.microsoft.com/office/drawing/2014/main" xmlns="" val="10002"/>
+                    <a16:rowId xmlns="" xmlns:a16="http://schemas.microsoft.com/office/drawing/2014/main" val="10002"/>
                   </a:ext>
                 </a:extLst>
               </a:tr>
@@ -10872,7 +10963,7 @@
                 </a:tc>
                 <a:extLst>
                   <a:ext uri="{0D108BD9-81ED-4DB2-BD59-A6C34878D82A}">
-                    <a16:rowId xmlns:a16="http://schemas.microsoft.com/office/drawing/2014/main" xmlns="" val="10003"/>
+                    <a16:rowId xmlns="" xmlns:a16="http://schemas.microsoft.com/office/drawing/2014/main" val="10003"/>
                   </a:ext>
                 </a:extLst>
               </a:tr>
@@ -10923,7 +11014,7 @@
                 </a:tc>
                 <a:extLst>
                   <a:ext uri="{0D108BD9-81ED-4DB2-BD59-A6C34878D82A}">
-                    <a16:rowId xmlns:a16="http://schemas.microsoft.com/office/drawing/2014/main" xmlns="" val="10004"/>
+                    <a16:rowId xmlns="" xmlns:a16="http://schemas.microsoft.com/office/drawing/2014/main" val="10004"/>
                   </a:ext>
                 </a:extLst>
               </a:tr>
@@ -11501,21 +11592,21 @@
                 <a:gridCol w="657492">
                   <a:extLst>
                     <a:ext uri="{9D8B030D-6E8A-4147-A177-3AD203B41FA5}">
-                      <a16:colId xmlns:a16="http://schemas.microsoft.com/office/drawing/2014/main" xmlns="" val="20000"/>
+                      <a16:colId xmlns="" xmlns:a16="http://schemas.microsoft.com/office/drawing/2014/main" val="20000"/>
                     </a:ext>
                   </a:extLst>
                 </a:gridCol>
                 <a:gridCol w="1512168">
                   <a:extLst>
                     <a:ext uri="{9D8B030D-6E8A-4147-A177-3AD203B41FA5}">
-                      <a16:colId xmlns:a16="http://schemas.microsoft.com/office/drawing/2014/main" xmlns="" val="20001"/>
+                      <a16:colId xmlns="" xmlns:a16="http://schemas.microsoft.com/office/drawing/2014/main" val="20001"/>
                     </a:ext>
                   </a:extLst>
                 </a:gridCol>
                 <a:gridCol w="1593596">
                   <a:extLst>
                     <a:ext uri="{9D8B030D-6E8A-4147-A177-3AD203B41FA5}">
-                      <a16:colId xmlns:a16="http://schemas.microsoft.com/office/drawing/2014/main" xmlns="" val="20002"/>
+                      <a16:colId xmlns="" xmlns:a16="http://schemas.microsoft.com/office/drawing/2014/main" val="20002"/>
                     </a:ext>
                   </a:extLst>
                 </a:gridCol>
@@ -11572,7 +11663,7 @@
                 </a:tc>
                 <a:extLst>
                   <a:ext uri="{0D108BD9-81ED-4DB2-BD59-A6C34878D82A}">
-                    <a16:rowId xmlns:a16="http://schemas.microsoft.com/office/drawing/2014/main" xmlns="" val="10000"/>
+                    <a16:rowId xmlns="" xmlns:a16="http://schemas.microsoft.com/office/drawing/2014/main" val="10000"/>
                   </a:ext>
                 </a:extLst>
               </a:tr>
@@ -11623,7 +11714,7 @@
                 </a:tc>
                 <a:extLst>
                   <a:ext uri="{0D108BD9-81ED-4DB2-BD59-A6C34878D82A}">
-                    <a16:rowId xmlns:a16="http://schemas.microsoft.com/office/drawing/2014/main" xmlns="" val="10001"/>
+                    <a16:rowId xmlns="" xmlns:a16="http://schemas.microsoft.com/office/drawing/2014/main" val="10001"/>
                   </a:ext>
                 </a:extLst>
               </a:tr>
@@ -11673,7 +11764,7 @@
                 </a:tc>
                 <a:extLst>
                   <a:ext uri="{0D108BD9-81ED-4DB2-BD59-A6C34878D82A}">
-                    <a16:rowId xmlns:a16="http://schemas.microsoft.com/office/drawing/2014/main" xmlns="" val="10002"/>
+                    <a16:rowId xmlns="" xmlns:a16="http://schemas.microsoft.com/office/drawing/2014/main" val="10002"/>
                   </a:ext>
                 </a:extLst>
               </a:tr>
@@ -11723,7 +11814,7 @@
                 </a:tc>
                 <a:extLst>
                   <a:ext uri="{0D108BD9-81ED-4DB2-BD59-A6C34878D82A}">
-                    <a16:rowId xmlns:a16="http://schemas.microsoft.com/office/drawing/2014/main" xmlns="" val="10003"/>
+                    <a16:rowId xmlns="" xmlns:a16="http://schemas.microsoft.com/office/drawing/2014/main" val="10003"/>
                   </a:ext>
                 </a:extLst>
               </a:tr>
@@ -11773,7 +11864,7 @@
                 </a:tc>
                 <a:extLst>
                   <a:ext uri="{0D108BD9-81ED-4DB2-BD59-A6C34878D82A}">
-                    <a16:rowId xmlns:a16="http://schemas.microsoft.com/office/drawing/2014/main" xmlns="" val="10004"/>
+                    <a16:rowId xmlns="" xmlns:a16="http://schemas.microsoft.com/office/drawing/2014/main" val="10004"/>
                   </a:ext>
                 </a:extLst>
               </a:tr>
@@ -12183,77 +12274,77 @@
                 <a:gridCol w="893896">
                   <a:extLst>
                     <a:ext uri="{9D8B030D-6E8A-4147-A177-3AD203B41FA5}">
-                      <a16:colId xmlns:a16="http://schemas.microsoft.com/office/drawing/2014/main" xmlns="" val="3935963039"/>
+                      <a16:colId xmlns="" xmlns:a16="http://schemas.microsoft.com/office/drawing/2014/main" val="3935963039"/>
                     </a:ext>
                   </a:extLst>
                 </a:gridCol>
                 <a:gridCol w="677188">
                   <a:extLst>
                     <a:ext uri="{9D8B030D-6E8A-4147-A177-3AD203B41FA5}">
-                      <a16:colId xmlns:a16="http://schemas.microsoft.com/office/drawing/2014/main" xmlns="" val="2676296806"/>
+                      <a16:colId xmlns="" xmlns:a16="http://schemas.microsoft.com/office/drawing/2014/main" val="2676296806"/>
                     </a:ext>
                   </a:extLst>
                 </a:gridCol>
                 <a:gridCol w="559363">
                   <a:extLst>
                     <a:ext uri="{9D8B030D-6E8A-4147-A177-3AD203B41FA5}">
-                      <a16:colId xmlns:a16="http://schemas.microsoft.com/office/drawing/2014/main" xmlns="" val="1189135583"/>
+                      <a16:colId xmlns="" xmlns:a16="http://schemas.microsoft.com/office/drawing/2014/main" val="1189135583"/>
                     </a:ext>
                   </a:extLst>
                 </a:gridCol>
                 <a:gridCol w="774708">
                   <a:extLst>
                     <a:ext uri="{9D8B030D-6E8A-4147-A177-3AD203B41FA5}">
-                      <a16:colId xmlns:a16="http://schemas.microsoft.com/office/drawing/2014/main" xmlns="" val="2599722990"/>
+                      <a16:colId xmlns="" xmlns:a16="http://schemas.microsoft.com/office/drawing/2014/main" val="2599722990"/>
                     </a:ext>
                   </a:extLst>
                 </a:gridCol>
                 <a:gridCol w="893893">
                   <a:extLst>
                     <a:ext uri="{9D8B030D-6E8A-4147-A177-3AD203B41FA5}">
-                      <a16:colId xmlns:a16="http://schemas.microsoft.com/office/drawing/2014/main" xmlns="" val="1302130035"/>
+                      <a16:colId xmlns="" xmlns:a16="http://schemas.microsoft.com/office/drawing/2014/main" val="1302130035"/>
                     </a:ext>
                   </a:extLst>
                 </a:gridCol>
                 <a:gridCol w="914206">
                   <a:extLst>
                     <a:ext uri="{9D8B030D-6E8A-4147-A177-3AD203B41FA5}">
-                      <a16:colId xmlns:a16="http://schemas.microsoft.com/office/drawing/2014/main" xmlns="" val="3977617046"/>
+                      <a16:colId xmlns="" xmlns:a16="http://schemas.microsoft.com/office/drawing/2014/main" val="3977617046"/>
                     </a:ext>
                   </a:extLst>
                 </a:gridCol>
                 <a:gridCol w="724597">
                   <a:extLst>
                     <a:ext uri="{9D8B030D-6E8A-4147-A177-3AD203B41FA5}">
-                      <a16:colId xmlns:a16="http://schemas.microsoft.com/office/drawing/2014/main" xmlns="" val="83470368"/>
+                      <a16:colId xmlns="" xmlns:a16="http://schemas.microsoft.com/office/drawing/2014/main" val="83470368"/>
                     </a:ext>
                   </a:extLst>
                 </a:gridCol>
                 <a:gridCol w="744911">
                   <a:extLst>
                     <a:ext uri="{9D8B030D-6E8A-4147-A177-3AD203B41FA5}">
-                      <a16:colId xmlns:a16="http://schemas.microsoft.com/office/drawing/2014/main" xmlns="" val="1712709683"/>
+                      <a16:colId xmlns="" xmlns:a16="http://schemas.microsoft.com/office/drawing/2014/main" val="1712709683"/>
                     </a:ext>
                   </a:extLst>
                 </a:gridCol>
                 <a:gridCol w="730011">
                   <a:extLst>
                     <a:ext uri="{9D8B030D-6E8A-4147-A177-3AD203B41FA5}">
-                      <a16:colId xmlns:a16="http://schemas.microsoft.com/office/drawing/2014/main" xmlns="" val="3020615763"/>
+                      <a16:colId xmlns="" xmlns:a16="http://schemas.microsoft.com/office/drawing/2014/main" val="3020615763"/>
                     </a:ext>
                   </a:extLst>
                 </a:gridCol>
                 <a:gridCol w="792088">
                   <a:extLst>
                     <a:ext uri="{9D8B030D-6E8A-4147-A177-3AD203B41FA5}">
-                      <a16:colId xmlns:a16="http://schemas.microsoft.com/office/drawing/2014/main" xmlns="" val="1621965814"/>
+                      <a16:colId xmlns="" xmlns:a16="http://schemas.microsoft.com/office/drawing/2014/main" val="1621965814"/>
                     </a:ext>
                   </a:extLst>
                 </a:gridCol>
                 <a:gridCol w="936103">
                   <a:extLst>
                     <a:ext uri="{9D8B030D-6E8A-4147-A177-3AD203B41FA5}">
-                      <a16:colId xmlns:a16="http://schemas.microsoft.com/office/drawing/2014/main" xmlns="" val="2735044704"/>
+                      <a16:colId xmlns="" xmlns:a16="http://schemas.microsoft.com/office/drawing/2014/main" val="2735044704"/>
                     </a:ext>
                   </a:extLst>
                 </a:gridCol>
@@ -12466,7 +12557,7 @@
                 </a:tc>
                 <a:extLst>
                   <a:ext uri="{0D108BD9-81ED-4DB2-BD59-A6C34878D82A}">
-                    <a16:rowId xmlns:a16="http://schemas.microsoft.com/office/drawing/2014/main" xmlns="" val="1194662335"/>
+                    <a16:rowId xmlns="" xmlns:a16="http://schemas.microsoft.com/office/drawing/2014/main" val="1194662335"/>
                   </a:ext>
                 </a:extLst>
               </a:tr>
@@ -12646,7 +12737,7 @@
                 </a:tc>
                 <a:extLst>
                   <a:ext uri="{0D108BD9-81ED-4DB2-BD59-A6C34878D82A}">
-                    <a16:rowId xmlns:a16="http://schemas.microsoft.com/office/drawing/2014/main" xmlns="" val="4212047477"/>
+                    <a16:rowId xmlns="" xmlns:a16="http://schemas.microsoft.com/office/drawing/2014/main" val="4212047477"/>
                   </a:ext>
                 </a:extLst>
               </a:tr>
@@ -12813,7 +12904,7 @@
                 </a:tc>
                 <a:extLst>
                   <a:ext uri="{0D108BD9-81ED-4DB2-BD59-A6C34878D82A}">
-                    <a16:rowId xmlns:a16="http://schemas.microsoft.com/office/drawing/2014/main" xmlns="" val="3027854722"/>
+                    <a16:rowId xmlns="" xmlns:a16="http://schemas.microsoft.com/office/drawing/2014/main" val="3027854722"/>
                   </a:ext>
                 </a:extLst>
               </a:tr>
@@ -12972,7 +13063,7 @@
                 </a:tc>
                 <a:extLst>
                   <a:ext uri="{0D108BD9-81ED-4DB2-BD59-A6C34878D82A}">
-                    <a16:rowId xmlns:a16="http://schemas.microsoft.com/office/drawing/2014/main" xmlns="" val="2751414867"/>
+                    <a16:rowId xmlns="" xmlns:a16="http://schemas.microsoft.com/office/drawing/2014/main" val="2751414867"/>
                   </a:ext>
                 </a:extLst>
               </a:tr>
@@ -13136,7 +13227,7 @@
                 </a:tc>
                 <a:extLst>
                   <a:ext uri="{0D108BD9-81ED-4DB2-BD59-A6C34878D82A}">
-                    <a16:rowId xmlns:a16="http://schemas.microsoft.com/office/drawing/2014/main" xmlns="" val="2790050907"/>
+                    <a16:rowId xmlns="" xmlns:a16="http://schemas.microsoft.com/office/drawing/2014/main" val="2790050907"/>
                   </a:ext>
                 </a:extLst>
               </a:tr>
@@ -13295,7 +13386,7 @@
                 </a:tc>
                 <a:extLst>
                   <a:ext uri="{0D108BD9-81ED-4DB2-BD59-A6C34878D82A}">
-                    <a16:rowId xmlns:a16="http://schemas.microsoft.com/office/drawing/2014/main" xmlns="" val="2469915399"/>
+                    <a16:rowId xmlns="" xmlns:a16="http://schemas.microsoft.com/office/drawing/2014/main" val="2469915399"/>
                   </a:ext>
                 </a:extLst>
               </a:tr>
@@ -13450,7 +13541,7 @@
                 </a:tc>
                 <a:extLst>
                   <a:ext uri="{0D108BD9-81ED-4DB2-BD59-A6C34878D82A}">
-                    <a16:rowId xmlns:a16="http://schemas.microsoft.com/office/drawing/2014/main" xmlns="" val="3193186382"/>
+                    <a16:rowId xmlns="" xmlns:a16="http://schemas.microsoft.com/office/drawing/2014/main" val="3193186382"/>
                   </a:ext>
                 </a:extLst>
               </a:tr>
